--- a/topics-overview.pptx
+++ b/topics-overview.pptx
@@ -5,8 +5,12 @@
     <p:sldMasterId id="2147483648" r:id="rId1"/>
   </p:sldMasterIdLst>
   <p:sldIdLst>
-    <p:sldId id="256" r:id="rId2"/>
-    <p:sldId id="257" r:id="rId3"/>
+    <p:sldId id="261" r:id="rId2"/>
+    <p:sldId id="256" r:id="rId3"/>
+    <p:sldId id="257" r:id="rId4"/>
+    <p:sldId id="258" r:id="rId5"/>
+    <p:sldId id="259" r:id="rId6"/>
+    <p:sldId id="260" r:id="rId7"/>
   </p:sldIdLst>
   <p:sldSz cx="12192000" cy="6858000"/>
   <p:notesSz cx="6858000" cy="9144000"/>
@@ -105,7 +109,16 @@
       </a:defRPr>
     </a:lvl9pPr>
   </p:defaultTextStyle>
+  <p:extLst>
+    <p:ext uri="{EFAFB233-063F-42B5-8137-9DF3F51BA10A}">
+      <p15:sldGuideLst xmlns:p15="http://schemas.microsoft.com/office/powerpoint/2012/main"/>
+    </p:ext>
+  </p:extLst>
 </p:presentation>
+</file>
+
+<file path=ppt/revisionInfo.xml><?xml version="1.0" encoding="utf-8"?>
+<p1510:revInfo xmlns:a="http://schemas.openxmlformats.org/drawingml/2006/main" xmlns:r="http://schemas.openxmlformats.org/officeDocument/2006/relationships" xmlns:p1510="http://schemas.microsoft.com/office/powerpoint/2015/10/main"/>
 </file>
 
 <file path=ppt/diagrams/colors1.xml><?xml version="1.0" encoding="utf-8"?>
@@ -2000,10 +2013,60 @@
     <dgm:pt modelId="{ED464C46-B086-44A7-839D-95A0F250EA29}" type="parTrans" cxnId="{1BFC0158-42C4-4FBF-A511-D13F1C339007}">
       <dgm:prSet/>
       <dgm:spPr/>
+      <dgm:t>
+        <a:bodyPr/>
+        <a:lstStyle/>
+        <a:p>
+          <a:endParaRPr lang="en-IE"/>
+        </a:p>
+      </dgm:t>
     </dgm:pt>
     <dgm:pt modelId="{A3EE3E8F-79B9-4B6A-9D7F-3CE0EEDCC66E}" type="sibTrans" cxnId="{1BFC0158-42C4-4FBF-A511-D13F1C339007}">
       <dgm:prSet/>
       <dgm:spPr/>
+      <dgm:t>
+        <a:bodyPr/>
+        <a:lstStyle/>
+        <a:p>
+          <a:endParaRPr lang="en-IE"/>
+        </a:p>
+      </dgm:t>
+    </dgm:pt>
+    <dgm:pt modelId="{06610EBE-22E2-45BB-956F-10D45A3579F7}">
+      <dgm:prSet phldrT="[Text]"/>
+      <dgm:spPr/>
+      <dgm:t>
+        <a:bodyPr/>
+        <a:lstStyle/>
+        <a:p>
+          <a:r>
+            <a:rPr lang="en-IE" dirty="0"/>
+            <a:t>Pipelining</a:t>
+          </a:r>
+        </a:p>
+      </dgm:t>
+    </dgm:pt>
+    <dgm:pt modelId="{773FA2A8-781C-4B40-8513-523EB0B3DB3F}" type="parTrans" cxnId="{21C036F1-CAB5-48B0-849D-B01EE2A9707E}">
+      <dgm:prSet/>
+      <dgm:spPr/>
+      <dgm:t>
+        <a:bodyPr/>
+        <a:lstStyle/>
+        <a:p>
+          <a:endParaRPr lang="en-IE"/>
+        </a:p>
+      </dgm:t>
+    </dgm:pt>
+    <dgm:pt modelId="{D92840D1-0EDE-4A57-9F44-3F311FE10F72}" type="sibTrans" cxnId="{21C036F1-CAB5-48B0-849D-B01EE2A9707E}">
+      <dgm:prSet/>
+      <dgm:spPr/>
+      <dgm:t>
+        <a:bodyPr/>
+        <a:lstStyle/>
+        <a:p>
+          <a:endParaRPr lang="en-IE"/>
+        </a:p>
+      </dgm:t>
     </dgm:pt>
     <dgm:pt modelId="{21EC8CE7-F5F1-4AAD-A836-985591744470}" type="pres">
       <dgm:prSet presAssocID="{AAB29C22-FDB1-4FBF-9DAB-B48EF6031465}" presName="Name0" presStyleCnt="0">
@@ -2141,7 +2204,7 @@
     <dgm:cxn modelId="{DA16003D-9A1C-42C5-8BF0-6C49FF41CDAC}" type="presOf" srcId="{A3A1BADC-A9C7-4D3F-AFBF-F8FED5C811EB}" destId="{1C384596-2563-44C5-89C9-D9CCC79D649A}" srcOrd="0" destOrd="1" presId="urn:microsoft.com/office/officeart/2005/8/layout/hList1"/>
     <dgm:cxn modelId="{57035060-3057-4CC7-A353-572B7C6413DE}" srcId="{37F9582A-2AEF-48B5-A96B-98B7101CB3FF}" destId="{E6A2E90F-91CE-48FF-BA12-68597AD9CE23}" srcOrd="2" destOrd="0" parTransId="{0B171907-4B69-4773-B2E5-39709CC4F1F9}" sibTransId="{35F2BF94-1060-4B19-8846-C54E91A0CE6C}"/>
     <dgm:cxn modelId="{F59B9E68-F733-47FC-9403-001C64AB71FE}" type="presOf" srcId="{942AEB8F-1CFD-4881-B627-5B8149109E93}" destId="{69DB0E07-C8E6-43B2-833E-CB159B25BBAD}" srcOrd="0" destOrd="1" presId="urn:microsoft.com/office/officeart/2005/8/layout/hList1"/>
-    <dgm:cxn modelId="{635DA148-4932-4211-B08A-CBA4127F9D77}" srcId="{37F9582A-2AEF-48B5-A96B-98B7101CB3FF}" destId="{BFCE933B-932D-483F-B517-60A8A94700B9}" srcOrd="4" destOrd="0" parTransId="{4C25D8F7-CD7E-4CAF-8DD3-3B1CE49472AA}" sibTransId="{DC112FDC-3CD9-400C-B31C-ECB0954D8ACF}"/>
+    <dgm:cxn modelId="{635DA148-4932-4211-B08A-CBA4127F9D77}" srcId="{37F9582A-2AEF-48B5-A96B-98B7101CB3FF}" destId="{BFCE933B-932D-483F-B517-60A8A94700B9}" srcOrd="5" destOrd="0" parTransId="{4C25D8F7-CD7E-4CAF-8DD3-3B1CE49472AA}" sibTransId="{DC112FDC-3CD9-400C-B31C-ECB0954D8ACF}"/>
     <dgm:cxn modelId="{6670F649-8E65-4556-8C32-2636566D1E59}" type="presOf" srcId="{031E3843-9FD2-4241-AD8C-E0A66E13CCCB}" destId="{1C384596-2563-44C5-89C9-D9CCC79D649A}" srcOrd="0" destOrd="4" presId="urn:microsoft.com/office/officeart/2005/8/layout/hList1"/>
     <dgm:cxn modelId="{F8CCF54D-C02D-41B4-B56A-76F9AD1C063B}" srcId="{C819A5D5-ACEC-43B4-AF63-9C67DF0279E8}" destId="{B338EE2C-55A0-44F7-8813-0ACE46FE980C}" srcOrd="4" destOrd="0" parTransId="{9B6FC378-FEDD-49D8-A288-62CD46AB30E3}" sibTransId="{29889C8B-7B6D-43AB-AC10-1355A33F75A8}"/>
     <dgm:cxn modelId="{29E7AE4F-DFFE-4D6E-88CE-0BCB44EC9487}" srcId="{AAB29C22-FDB1-4FBF-9DAB-B48EF6031465}" destId="{C819A5D5-ACEC-43B4-AF63-9C67DF0279E8}" srcOrd="3" destOrd="0" parTransId="{5797BC1F-8D2D-480E-9A67-7B5C263D5C82}" sibTransId="{A8D6AEEF-7A2B-4344-BCBE-C5F231AD40E6}"/>
@@ -2150,9 +2213,9 @@
     <dgm:cxn modelId="{BC5A3F74-F3D1-4BF2-8C9A-73F8A4FC292C}" type="presOf" srcId="{6B7885DD-38B2-48C3-B16D-838295681012}" destId="{55EB1435-AACD-4153-92BC-AD2D029FF409}" srcOrd="0" destOrd="5" presId="urn:microsoft.com/office/officeart/2005/8/layout/hList1"/>
     <dgm:cxn modelId="{6B5A7756-0FE0-4430-9031-5A9305D6B658}" type="presOf" srcId="{0F750B9E-3F5B-4927-8222-567640884E2B}" destId="{55EB1435-AACD-4153-92BC-AD2D029FF409}" srcOrd="0" destOrd="2" presId="urn:microsoft.com/office/officeart/2005/8/layout/hList1"/>
     <dgm:cxn modelId="{1BFC0158-42C4-4FBF-A511-D13F1C339007}" srcId="{A6AC9063-9B8B-4865-9F7F-54B7418DAE29}" destId="{4CCCB61F-2DF8-4A54-90B2-5036C1457C1F}" srcOrd="7" destOrd="0" parTransId="{ED464C46-B086-44A7-839D-95A0F250EA29}" sibTransId="{A3EE3E8F-79B9-4B6A-9D7F-3CE0EEDCC66E}"/>
-    <dgm:cxn modelId="{F2FF2F58-3E3E-4DE8-ABE6-DC3349E1E070}" type="presOf" srcId="{BFCE933B-932D-483F-B517-60A8A94700B9}" destId="{986BC3C3-A972-451F-AFA6-49E8C849171D}" srcOrd="0" destOrd="4" presId="urn:microsoft.com/office/officeart/2005/8/layout/hList1"/>
+    <dgm:cxn modelId="{F2FF2F58-3E3E-4DE8-ABE6-DC3349E1E070}" type="presOf" srcId="{BFCE933B-932D-483F-B517-60A8A94700B9}" destId="{986BC3C3-A972-451F-AFA6-49E8C849171D}" srcOrd="0" destOrd="5" presId="urn:microsoft.com/office/officeart/2005/8/layout/hList1"/>
     <dgm:cxn modelId="{A02A4C59-91C7-443B-B254-85D9B432D85B}" srcId="{37F9582A-2AEF-48B5-A96B-98B7101CB3FF}" destId="{1E78DF90-50D7-4F7F-A10D-D6AD40E72A51}" srcOrd="0" destOrd="0" parTransId="{FE418447-4822-4EEA-9E54-6FABF92310D7}" sibTransId="{16ACCDB9-CA75-4955-9B63-3A83BE9CDA84}"/>
-    <dgm:cxn modelId="{2EA4B47A-3250-43CC-99D3-C44BA74D7BB3}" srcId="{37F9582A-2AEF-48B5-A96B-98B7101CB3FF}" destId="{D811AB77-359C-4DC6-97B0-6A64543A2462}" srcOrd="5" destOrd="0" parTransId="{3972E6A4-6817-43B5-873D-D040743EB0CF}" sibTransId="{4D14B8C4-8987-4BF7-81F5-4353C212F0F0}"/>
+    <dgm:cxn modelId="{2EA4B47A-3250-43CC-99D3-C44BA74D7BB3}" srcId="{37F9582A-2AEF-48B5-A96B-98B7101CB3FF}" destId="{D811AB77-359C-4DC6-97B0-6A64543A2462}" srcOrd="6" destOrd="0" parTransId="{3972E6A4-6817-43B5-873D-D040743EB0CF}" sibTransId="{4D14B8C4-8987-4BF7-81F5-4353C212F0F0}"/>
     <dgm:cxn modelId="{0055997B-24B1-4F4A-B271-DB33F53572C3}" srcId="{C819A5D5-ACEC-43B4-AF63-9C67DF0279E8}" destId="{942AEB8F-1CFD-4881-B627-5B8149109E93}" srcOrd="1" destOrd="0" parTransId="{53C5C86B-C2B6-46E1-992D-40E26DB67504}" sibTransId="{531F73EF-E606-4D34-8287-9EDF4E2CB7D6}"/>
     <dgm:cxn modelId="{A41F8E80-5B08-4A1E-BB07-6AC2A8747592}" type="presOf" srcId="{EDFE7FD0-216F-4EC2-B140-E10BA406408C}" destId="{1C384596-2563-44C5-89C9-D9CCC79D649A}" srcOrd="0" destOrd="3" presId="urn:microsoft.com/office/officeart/2005/8/layout/hList1"/>
     <dgm:cxn modelId="{CD21E389-32D1-4480-81E4-225DD20842CB}" type="presOf" srcId="{B100A3BA-717F-4789-9E2E-CECB5858D8E3}" destId="{986BC3C3-A972-451F-AFA6-49E8C849171D}" srcOrd="0" destOrd="3" presId="urn:microsoft.com/office/officeart/2005/8/layout/hList1"/>
@@ -2175,11 +2238,13 @@
     <dgm:cxn modelId="{9362C0BB-DF3F-424A-B2A7-72F5D83A4769}" srcId="{C819A5D5-ACEC-43B4-AF63-9C67DF0279E8}" destId="{736203E6-AF79-4EBC-A5A2-9434DD4F052A}" srcOrd="5" destOrd="0" parTransId="{EA2C2239-A833-4CC7-88CE-C11E3EC2809C}" sibTransId="{DF4EAB10-8D13-4E61-AC4B-525EFB23B946}"/>
     <dgm:cxn modelId="{BAE2FFBE-883B-4B77-8FB0-F0D3BF9685BE}" srcId="{F17F90A9-7DD0-40F3-AAA1-39D0FA8BCC54}" destId="{F3833BE1-FBD2-44A1-B94E-F81C1B4B43CE}" srcOrd="2" destOrd="0" parTransId="{A7AC0320-782C-45B6-B7DE-C0DB8E0E1627}" sibTransId="{114E4DD9-6A0B-4375-9432-C677A4DF29E9}"/>
     <dgm:cxn modelId="{6061EAC9-6308-48EE-A45D-50BEC7F7D9A4}" srcId="{F17F90A9-7DD0-40F3-AAA1-39D0FA8BCC54}" destId="{AA51F5CE-E93A-4F5A-BE09-AEC824B2A81A}" srcOrd="3" destOrd="0" parTransId="{D9BB081A-D73A-4D24-9ADD-393DF2F4B315}" sibTransId="{53CA15A0-A78B-467B-8F5E-F88650E6AE01}"/>
-    <dgm:cxn modelId="{CFBC77D3-7A25-4D48-A114-1714541C2C70}" type="presOf" srcId="{D811AB77-359C-4DC6-97B0-6A64543A2462}" destId="{986BC3C3-A972-451F-AFA6-49E8C849171D}" srcOrd="0" destOrd="5" presId="urn:microsoft.com/office/officeart/2005/8/layout/hList1"/>
+    <dgm:cxn modelId="{CFBC77D3-7A25-4D48-A114-1714541C2C70}" type="presOf" srcId="{D811AB77-359C-4DC6-97B0-6A64543A2462}" destId="{986BC3C3-A972-451F-AFA6-49E8C849171D}" srcOrd="0" destOrd="6" presId="urn:microsoft.com/office/officeart/2005/8/layout/hList1"/>
     <dgm:cxn modelId="{4FAEBFD7-D4F4-4E7C-8DFE-4550A3A4344E}" srcId="{AAB29C22-FDB1-4FBF-9DAB-B48EF6031465}" destId="{A6AC9063-9B8B-4865-9F7F-54B7418DAE29}" srcOrd="1" destOrd="0" parTransId="{70E52A87-C9CC-46FF-8C6A-E5E1CB880C23}" sibTransId="{9E02C678-870E-40B0-A340-E451A0279CA3}"/>
     <dgm:cxn modelId="{80BA37D8-05E4-414C-95AA-98B4A34664B7}" type="presOf" srcId="{FDCBFB52-C0A3-46D9-B33E-17E99E4D9075}" destId="{55EB1435-AACD-4153-92BC-AD2D029FF409}" srcOrd="0" destOrd="0" presId="urn:microsoft.com/office/officeart/2005/8/layout/hList1"/>
     <dgm:cxn modelId="{1E12D1DB-2A1A-41FC-8DFC-851738D8D40F}" srcId="{37F9582A-2AEF-48B5-A96B-98B7101CB3FF}" destId="{7EFECBED-2084-4E49-AAEC-07595A137A19}" srcOrd="1" destOrd="0" parTransId="{858A15C2-99CA-4B64-A3EC-C82365DCBE03}" sibTransId="{4F10B13B-B419-424A-AFF8-26D771D52CA0}"/>
+    <dgm:cxn modelId="{8BD7C9DD-E55E-4987-B6A1-D4254D83222C}" type="presOf" srcId="{06610EBE-22E2-45BB-956F-10D45A3579F7}" destId="{986BC3C3-A972-451F-AFA6-49E8C849171D}" srcOrd="0" destOrd="4" presId="urn:microsoft.com/office/officeart/2005/8/layout/hList1"/>
     <dgm:cxn modelId="{C73662EC-1624-444D-A7DF-1D0AF7B2801A}" type="presOf" srcId="{A368BB5A-1A87-4989-A6EE-26D6910EF1E1}" destId="{1C384596-2563-44C5-89C9-D9CCC79D649A}" srcOrd="0" destOrd="0" presId="urn:microsoft.com/office/officeart/2005/8/layout/hList1"/>
+    <dgm:cxn modelId="{21C036F1-CAB5-48B0-849D-B01EE2A9707E}" srcId="{37F9582A-2AEF-48B5-A96B-98B7101CB3FF}" destId="{06610EBE-22E2-45BB-956F-10D45A3579F7}" srcOrd="4" destOrd="0" parTransId="{773FA2A8-781C-4B40-8513-523EB0B3DB3F}" sibTransId="{D92840D1-0EDE-4A57-9F44-3F311FE10F72}"/>
     <dgm:cxn modelId="{D6B610FA-EE3F-4AF6-A053-95DBC8AA84BF}" type="presOf" srcId="{7EFECBED-2084-4E49-AAEC-07595A137A19}" destId="{986BC3C3-A972-451F-AFA6-49E8C849171D}" srcOrd="0" destOrd="1" presId="urn:microsoft.com/office/officeart/2005/8/layout/hList1"/>
     <dgm:cxn modelId="{AFAE73FB-9691-48D9-BFF0-E5A99D937692}" type="presOf" srcId="{4CCCB61F-2DF8-4A54-90B2-5036C1457C1F}" destId="{1C384596-2563-44C5-89C9-D9CCC79D649A}" srcOrd="0" destOrd="7" presId="urn:microsoft.com/office/officeart/2005/8/layout/hList1"/>
     <dgm:cxn modelId="{6FE8901C-231C-40F5-88F9-C5931730E97C}" type="presParOf" srcId="{21EC8CE7-F5F1-4AAD-A836-985591744470}" destId="{9C6E95BA-7F4D-48C5-B9F6-59AF103957A6}" srcOrd="0" destOrd="0" presId="urn:microsoft.com/office/officeart/2005/8/layout/hList1"/>
@@ -2223,7 +2288,7 @@
       </dsp:nvSpPr>
       <dsp:spPr>
         <a:xfrm>
-          <a:off x="3953" y="2064752"/>
+          <a:off x="3953" y="1171809"/>
           <a:ext cx="2377306" cy="316800"/>
         </a:xfrm>
         <a:prstGeom prst="rect">
@@ -2290,7 +2355,7 @@
         </a:p>
       </dsp:txBody>
       <dsp:txXfrm>
-        <a:off x="3953" y="2064752"/>
+        <a:off x="3953" y="1171809"/>
         <a:ext cx="2377306" cy="316800"/>
       </dsp:txXfrm>
     </dsp:sp>
@@ -2301,8 +2366,8 @@
       </dsp:nvSpPr>
       <dsp:spPr>
         <a:xfrm>
-          <a:off x="3953" y="2381552"/>
-          <a:ext cx="2377306" cy="1556929"/>
+          <a:off x="3953" y="1488609"/>
+          <a:ext cx="2377306" cy="1690920"/>
         </a:xfrm>
         <a:prstGeom prst="rect">
           <a:avLst/>
@@ -2434,6 +2499,24 @@
           </a:pPr>
           <a:r>
             <a:rPr lang="en-IE" sz="1100" kern="1200" dirty="0"/>
+            <a:t>Pipelining</a:t>
+          </a:r>
+        </a:p>
+        <a:p>
+          <a:pPr marL="57150" lvl="1" indent="-57150" algn="l" defTabSz="488950">
+            <a:lnSpc>
+              <a:spcPct val="90000"/>
+            </a:lnSpc>
+            <a:spcBef>
+              <a:spcPct val="0"/>
+            </a:spcBef>
+            <a:spcAft>
+              <a:spcPct val="15000"/>
+            </a:spcAft>
+            <a:buChar char="•"/>
+          </a:pPr>
+          <a:r>
+            <a:rPr lang="en-IE" sz="1100" kern="1200" dirty="0"/>
             <a:t>Physical Interfacing using Single Board Computer systems</a:t>
           </a:r>
         </a:p>
@@ -2457,8 +2540,8 @@
         </a:p>
       </dsp:txBody>
       <dsp:txXfrm>
-        <a:off x="3953" y="2381552"/>
-        <a:ext cx="2377306" cy="1556929"/>
+        <a:off x="3953" y="1488609"/>
+        <a:ext cx="2377306" cy="1690920"/>
       </dsp:txXfrm>
     </dsp:sp>
     <dsp:sp modelId="{B6CF322D-8D7F-483F-8C94-584E1E166123}">
@@ -2468,7 +2551,7 @@
       </dsp:nvSpPr>
       <dsp:spPr>
         <a:xfrm>
-          <a:off x="2714082" y="2064752"/>
+          <a:off x="2714082" y="1171809"/>
           <a:ext cx="2377306" cy="316800"/>
         </a:xfrm>
         <a:prstGeom prst="rect">
@@ -2535,7 +2618,7 @@
         </a:p>
       </dsp:txBody>
       <dsp:txXfrm>
-        <a:off x="2714082" y="2064752"/>
+        <a:off x="2714082" y="1171809"/>
         <a:ext cx="2377306" cy="316800"/>
       </dsp:txXfrm>
     </dsp:sp>
@@ -2546,8 +2629,8 @@
       </dsp:nvSpPr>
       <dsp:spPr>
         <a:xfrm>
-          <a:off x="2714082" y="2381552"/>
-          <a:ext cx="2377306" cy="1556929"/>
+          <a:off x="2714082" y="1488609"/>
+          <a:ext cx="2377306" cy="1690920"/>
         </a:xfrm>
         <a:prstGeom prst="rect">
           <a:avLst/>
@@ -2738,8 +2821,8 @@
         </a:p>
       </dsp:txBody>
       <dsp:txXfrm>
-        <a:off x="2714082" y="2381552"/>
-        <a:ext cx="2377306" cy="1556929"/>
+        <a:off x="2714082" y="1488609"/>
+        <a:ext cx="2377306" cy="1690920"/>
       </dsp:txXfrm>
     </dsp:sp>
     <dsp:sp modelId="{332DCA6D-AB66-4A04-99FA-105EEB197B14}">
@@ -2749,7 +2832,7 @@
       </dsp:nvSpPr>
       <dsp:spPr>
         <a:xfrm>
-          <a:off x="5424211" y="2064752"/>
+          <a:off x="5424211" y="1171809"/>
           <a:ext cx="2377306" cy="316800"/>
         </a:xfrm>
         <a:prstGeom prst="rect">
@@ -2816,7 +2899,7 @@
         </a:p>
       </dsp:txBody>
       <dsp:txXfrm>
-        <a:off x="5424211" y="2064752"/>
+        <a:off x="5424211" y="1171809"/>
         <a:ext cx="2377306" cy="316800"/>
       </dsp:txXfrm>
     </dsp:sp>
@@ -2827,8 +2910,8 @@
       </dsp:nvSpPr>
       <dsp:spPr>
         <a:xfrm>
-          <a:off x="5424211" y="2381552"/>
-          <a:ext cx="2377306" cy="1556929"/>
+          <a:off x="5424211" y="1488609"/>
+          <a:ext cx="2377306" cy="1690920"/>
         </a:xfrm>
         <a:prstGeom prst="rect">
           <a:avLst/>
@@ -3009,8 +3092,8 @@
         </a:p>
       </dsp:txBody>
       <dsp:txXfrm>
-        <a:off x="5424211" y="2381552"/>
-        <a:ext cx="2377306" cy="1556929"/>
+        <a:off x="5424211" y="1488609"/>
+        <a:ext cx="2377306" cy="1690920"/>
       </dsp:txXfrm>
     </dsp:sp>
     <dsp:sp modelId="{F979D4E1-47E2-4CAD-9ABD-7E0BCD5564E9}">
@@ -3020,7 +3103,7 @@
       </dsp:nvSpPr>
       <dsp:spPr>
         <a:xfrm>
-          <a:off x="8134340" y="2064752"/>
+          <a:off x="8134340" y="1171809"/>
           <a:ext cx="2377306" cy="316800"/>
         </a:xfrm>
         <a:prstGeom prst="rect">
@@ -3087,7 +3170,7 @@
         </a:p>
       </dsp:txBody>
       <dsp:txXfrm>
-        <a:off x="8134340" y="2064752"/>
+        <a:off x="8134340" y="1171809"/>
         <a:ext cx="2377306" cy="316800"/>
       </dsp:txXfrm>
     </dsp:sp>
@@ -3098,8 +3181,8 @@
       </dsp:nvSpPr>
       <dsp:spPr>
         <a:xfrm>
-          <a:off x="8134340" y="2381552"/>
-          <a:ext cx="2377306" cy="1556929"/>
+          <a:off x="8134340" y="1488609"/>
+          <a:ext cx="2377306" cy="1690920"/>
         </a:xfrm>
         <a:prstGeom prst="rect">
           <a:avLst/>
@@ -3274,8 +3357,8 @@
         </a:p>
       </dsp:txBody>
       <dsp:txXfrm>
-        <a:off x="8134340" y="2381552"/>
-        <a:ext cx="2377306" cy="1556929"/>
+        <a:off x="8134340" y="1488609"/>
+        <a:ext cx="2377306" cy="1690920"/>
       </dsp:txXfrm>
     </dsp:sp>
   </dsp:spTree>
@@ -7754,6 +7837,14 @@
 <file path=ppt/slides/slide1.xml><?xml version="1.0" encoding="utf-8"?>
 <p:sld xmlns:a="http://schemas.openxmlformats.org/drawingml/2006/main" xmlns:r="http://schemas.openxmlformats.org/officeDocument/2006/relationships" xmlns:p="http://schemas.openxmlformats.org/presentationml/2006/main">
   <p:cSld>
+    <p:bg>
+      <p:bgPr>
+        <a:solidFill>
+          <a:schemeClr val="bg1"/>
+        </a:solidFill>
+        <a:effectLst/>
+      </p:bgPr>
+    </p:bg>
     <p:spTree>
       <p:nvGrpSpPr>
         <p:cNvPr id="1" name=""/>
@@ -7768,41 +7859,168 @@
           <a:chExt cx="0" cy="0"/>
         </a:xfrm>
       </p:grpSpPr>
-      <p:graphicFrame>
-        <p:nvGraphicFramePr>
-          <p:cNvPr id="6" name="Content Placeholder 5">
+      <p:pic>
+        <p:nvPicPr>
+          <p:cNvPr id="9" name="Graphic 8">
             <a:extLst>
               <a:ext uri="{FF2B5EF4-FFF2-40B4-BE49-F238E27FC236}">
-                <a16:creationId xmlns:a16="http://schemas.microsoft.com/office/drawing/2014/main" id="{3420E1E1-2B29-42D9-9011-75022E100FD9}"/>
+                <a16:creationId xmlns:a16="http://schemas.microsoft.com/office/drawing/2014/main" id="{87910D75-8B13-4AFE-A1C6-D7FDE3D00B8C}"/>
               </a:ext>
             </a:extLst>
           </p:cNvPr>
-          <p:cNvGraphicFramePr>
-            <a:graphicFrameLocks noGrp="1"/>
-          </p:cNvGraphicFramePr>
+          <p:cNvPicPr>
+            <a:picLocks noGrp="1" noRot="1" noChangeAspect="1" noMove="1" noResize="1" noEditPoints="1" noAdjustHandles="1" noChangeArrowheads="1" noChangeShapeType="1" noCrop="1"/>
+          </p:cNvPicPr>
           <p:nvPr>
-            <p:ph idx="1"/>
             <p:extLst>
-              <p:ext uri="{D42A27DB-BD31-4B8C-83A1-F6EECF244321}">
-                <p14:modId xmlns:p14="http://schemas.microsoft.com/office/powerpoint/2010/main" val="453735007"/>
+              <p:ext uri="{386F3935-93C4-4BCD-93E2-E3B085C9AB24}">
+                <p16:designElem xmlns:p16="http://schemas.microsoft.com/office/powerpoint/2015/main" val="1"/>
               </p:ext>
             </p:extLst>
           </p:nvPr>
-        </p:nvGraphicFramePr>
-        <p:xfrm>
-          <a:off x="838200" y="410816"/>
-          <a:ext cx="10515600" cy="6003235"/>
-        </p:xfrm>
-        <a:graphic>
-          <a:graphicData uri="http://schemas.openxmlformats.org/drawingml/2006/diagram">
-            <dgm:relIds xmlns:dgm="http://schemas.openxmlformats.org/drawingml/2006/diagram" xmlns:r="http://schemas.openxmlformats.org/officeDocument/2006/relationships" r:dm="rId2" r:lo="rId3" r:qs="rId4" r:cs="rId5"/>
-          </a:graphicData>
-        </a:graphic>
-      </p:graphicFrame>
+        </p:nvPicPr>
+        <p:blipFill>
+          <a:blip r:embed="rId2">
+            <a:alphaModFix amt="15000"/>
+            <a:extLst>
+              <a:ext uri="{28A0092B-C50C-407E-A947-70E740481C1C}">
+                <a14:useLocalDpi xmlns:a14="http://schemas.microsoft.com/office/drawing/2010/main" val="0"/>
+              </a:ext>
+              <a:ext uri="{96DAC541-7B7A-43D3-8B79-37D633B846F1}">
+                <asvg:svgBlip xmlns:asvg="http://schemas.microsoft.com/office/drawing/2016/SVG/main" r:embed="rId3"/>
+              </a:ext>
+            </a:extLst>
+          </a:blip>
+          <a:stretch>
+            <a:fillRect/>
+          </a:stretch>
+        </p:blipFill>
+        <p:spPr>
+          <a:xfrm>
+            <a:off x="6641431" y="816337"/>
+            <a:ext cx="5225327" cy="5225327"/>
+          </a:xfrm>
+          <a:prstGeom prst="rect">
+            <a:avLst/>
+          </a:prstGeom>
+        </p:spPr>
+      </p:pic>
+      <p:pic>
+        <p:nvPicPr>
+          <p:cNvPr id="7" name="Graphic 6">
+            <a:extLst>
+              <a:ext uri="{FF2B5EF4-FFF2-40B4-BE49-F238E27FC236}">
+                <a16:creationId xmlns:a16="http://schemas.microsoft.com/office/drawing/2014/main" id="{38AF21A3-31AE-4616-BC55-4865547DA656}"/>
+              </a:ext>
+            </a:extLst>
+          </p:cNvPr>
+          <p:cNvPicPr>
+            <a:picLocks noChangeAspect="1"/>
+          </p:cNvPicPr>
+          <p:nvPr/>
+        </p:nvPicPr>
+        <p:blipFill>
+          <a:blip r:embed="rId2">
+            <a:extLst>
+              <a:ext uri="{28A0092B-C50C-407E-A947-70E740481C1C}">
+                <a14:useLocalDpi xmlns:a14="http://schemas.microsoft.com/office/drawing/2010/main" val="0"/>
+              </a:ext>
+              <a:ext uri="{96DAC541-7B7A-43D3-8B79-37D633B846F1}">
+                <asvg:svgBlip xmlns:asvg="http://schemas.microsoft.com/office/drawing/2016/SVG/main" r:embed="rId3"/>
+              </a:ext>
+            </a:extLst>
+          </a:blip>
+          <a:stretch>
+            <a:fillRect/>
+          </a:stretch>
+        </p:blipFill>
+        <p:spPr>
+          <a:xfrm>
+            <a:off x="838201" y="2743201"/>
+            <a:ext cx="1371600" cy="1371600"/>
+          </a:xfrm>
+          <a:prstGeom prst="rect">
+            <a:avLst/>
+          </a:prstGeom>
+        </p:spPr>
+      </p:pic>
+      <p:sp>
+        <p:nvSpPr>
+          <p:cNvPr id="2" name="Title 1">
+            <a:extLst>
+              <a:ext uri="{FF2B5EF4-FFF2-40B4-BE49-F238E27FC236}">
+                <a16:creationId xmlns:a16="http://schemas.microsoft.com/office/drawing/2014/main" id="{D431A2E2-06DF-4008-91DD-3B2CC167474C}"/>
+              </a:ext>
+            </a:extLst>
+          </p:cNvPr>
+          <p:cNvSpPr>
+            <a:spLocks noGrp="1"/>
+          </p:cNvSpPr>
+          <p:nvPr>
+            <p:ph type="ctrTitle"/>
+          </p:nvPr>
+        </p:nvSpPr>
+        <p:spPr>
+          <a:xfrm>
+            <a:off x="2370667" y="2187743"/>
+            <a:ext cx="5293449" cy="2482515"/>
+          </a:xfrm>
+        </p:spPr>
+        <p:txBody>
+          <a:bodyPr anchor="ctr">
+            <a:normAutofit/>
+          </a:bodyPr>
+          <a:lstStyle/>
+          <a:p>
+            <a:pPr algn="l"/>
+            <a:r>
+              <a:rPr lang="en-IE" sz="5600"/>
+              <a:t>Computer Systems and Networks</a:t>
+            </a:r>
+          </a:p>
+        </p:txBody>
+      </p:sp>
+      <p:sp>
+        <p:nvSpPr>
+          <p:cNvPr id="3" name="Subtitle 2">
+            <a:extLst>
+              <a:ext uri="{FF2B5EF4-FFF2-40B4-BE49-F238E27FC236}">
+                <a16:creationId xmlns:a16="http://schemas.microsoft.com/office/drawing/2014/main" id="{F69EC42C-20EE-43F7-AAE0-ED0E6AA8824C}"/>
+              </a:ext>
+            </a:extLst>
+          </p:cNvPr>
+          <p:cNvSpPr>
+            <a:spLocks noGrp="1"/>
+          </p:cNvSpPr>
+          <p:nvPr>
+            <p:ph type="subTitle" idx="1"/>
+          </p:nvPr>
+        </p:nvSpPr>
+        <p:spPr>
+          <a:xfrm>
+            <a:off x="2370667" y="4670258"/>
+            <a:ext cx="5293449" cy="1371405"/>
+          </a:xfrm>
+        </p:spPr>
+        <p:txBody>
+          <a:bodyPr>
+            <a:normAutofit/>
+          </a:bodyPr>
+          <a:lstStyle/>
+          <a:p>
+            <a:pPr algn="l"/>
+            <a:r>
+              <a:rPr lang="en-IE" dirty="0"/>
+              <a:t>Overview</a:t>
+            </a:r>
+            <a:endParaRPr lang="en-IE"/>
+          </a:p>
+        </p:txBody>
+      </p:sp>
     </p:spTree>
     <p:extLst>
       <p:ext uri="{BB962C8B-B14F-4D97-AF65-F5344CB8AC3E}">
-        <p14:creationId xmlns:p14="http://schemas.microsoft.com/office/powerpoint/2010/main" val="658663174"/>
+        <p14:creationId xmlns:p14="http://schemas.microsoft.com/office/powerpoint/2010/main" val="3200188905"/>
       </p:ext>
     </p:extLst>
   </p:cSld>
@@ -7834,7 +8052,7 @@
           <p:cNvPr id="2" name="Title 1">
             <a:extLst>
               <a:ext uri="{FF2B5EF4-FFF2-40B4-BE49-F238E27FC236}">
-                <a16:creationId xmlns:a16="http://schemas.microsoft.com/office/drawing/2014/main" id="{E43FB26C-9CE7-4A97-93BD-BD75B1C8BC2D}"/>
+                <a16:creationId xmlns:a16="http://schemas.microsoft.com/office/drawing/2014/main" id="{D831497D-E485-4516-A11F-F402D63AA16D}"/>
               </a:ext>
             </a:extLst>
           </p:cNvPr>
@@ -7852,8 +8070,236 @@
           <a:p>
             <a:r>
               <a:rPr lang="en-IE" dirty="0"/>
-              <a:t>Computer Systems</a:t>
+              <a:t>General Area Overview</a:t>
             </a:r>
+          </a:p>
+        </p:txBody>
+      </p:sp>
+      <p:graphicFrame>
+        <p:nvGraphicFramePr>
+          <p:cNvPr id="6" name="Content Placeholder 5">
+            <a:extLst>
+              <a:ext uri="{FF2B5EF4-FFF2-40B4-BE49-F238E27FC236}">
+                <a16:creationId xmlns:a16="http://schemas.microsoft.com/office/drawing/2014/main" id="{3420E1E1-2B29-42D9-9011-75022E100FD9}"/>
+              </a:ext>
+            </a:extLst>
+          </p:cNvPr>
+          <p:cNvGraphicFramePr>
+            <a:graphicFrameLocks noGrp="1"/>
+          </p:cNvGraphicFramePr>
+          <p:nvPr>
+            <p:ph idx="1"/>
+            <p:extLst>
+              <p:ext uri="{D42A27DB-BD31-4B8C-83A1-F6EECF244321}">
+                <p14:modId xmlns:p14="http://schemas.microsoft.com/office/powerpoint/2010/main" val="3516588603"/>
+              </p:ext>
+            </p:extLst>
+          </p:nvPr>
+        </p:nvGraphicFramePr>
+        <p:xfrm>
+          <a:off x="838200" y="1825625"/>
+          <a:ext cx="10515600" cy="4351338"/>
+        </p:xfrm>
+        <a:graphic>
+          <a:graphicData uri="http://schemas.openxmlformats.org/drawingml/2006/diagram">
+            <dgm:relIds xmlns:dgm="http://schemas.openxmlformats.org/drawingml/2006/diagram" xmlns:r="http://schemas.openxmlformats.org/officeDocument/2006/relationships" r:dm="rId2" r:lo="rId3" r:qs="rId4" r:cs="rId5"/>
+          </a:graphicData>
+        </a:graphic>
+      </p:graphicFrame>
+    </p:spTree>
+    <p:extLst>
+      <p:ext uri="{BB962C8B-B14F-4D97-AF65-F5344CB8AC3E}">
+        <p14:creationId xmlns:p14="http://schemas.microsoft.com/office/powerpoint/2010/main" val="658663174"/>
+      </p:ext>
+    </p:extLst>
+  </p:cSld>
+  <p:clrMapOvr>
+    <a:masterClrMapping/>
+  </p:clrMapOvr>
+</p:sld>
+</file>
+
+<file path=ppt/slides/slide3.xml><?xml version="1.0" encoding="utf-8"?>
+<p:sld xmlns:a="http://schemas.openxmlformats.org/drawingml/2006/main" xmlns:r="http://schemas.openxmlformats.org/officeDocument/2006/relationships" xmlns:p="http://schemas.openxmlformats.org/presentationml/2006/main">
+  <p:cSld>
+    <p:bg>
+      <p:bgPr>
+        <a:solidFill>
+          <a:schemeClr val="bg1"/>
+        </a:solidFill>
+        <a:effectLst/>
+      </p:bgPr>
+    </p:bg>
+    <p:spTree>
+      <p:nvGrpSpPr>
+        <p:cNvPr id="1" name=""/>
+        <p:cNvGrpSpPr/>
+        <p:nvPr/>
+      </p:nvGrpSpPr>
+      <p:grpSpPr>
+        <a:xfrm>
+          <a:off x="0" y="0"/>
+          <a:ext cx="0" cy="0"/>
+          <a:chOff x="0" y="0"/>
+          <a:chExt cx="0" cy="0"/>
+        </a:xfrm>
+      </p:grpSpPr>
+      <p:sp>
+        <p:nvSpPr>
+          <p:cNvPr id="8" name="Rectangle 7">
+            <a:extLst>
+              <a:ext uri="{FF2B5EF4-FFF2-40B4-BE49-F238E27FC236}">
+                <a16:creationId xmlns:a16="http://schemas.microsoft.com/office/drawing/2014/main" id="{8D70B121-56F4-4848-B38B-182089D909FA}"/>
+              </a:ext>
+            </a:extLst>
+          </p:cNvPr>
+          <p:cNvSpPr>
+            <a:spLocks noGrp="1" noRot="1" noChangeAspect="1" noMove="1" noResize="1" noEditPoints="1" noAdjustHandles="1" noChangeArrowheads="1" noChangeShapeType="1" noTextEdit="1"/>
+          </p:cNvSpPr>
+          <p:nvPr>
+            <p:extLst>
+              <p:ext uri="{386F3935-93C4-4BCD-93E2-E3B085C9AB24}">
+                <p16:designElem xmlns:p16="http://schemas.microsoft.com/office/powerpoint/2015/main" val="1"/>
+              </p:ext>
+            </p:extLst>
+          </p:nvPr>
+        </p:nvSpPr>
+        <p:spPr bwMode="ltGray">
+          <a:xfrm>
+            <a:off x="321564" y="320040"/>
+            <a:ext cx="11548872" cy="6217920"/>
+          </a:xfrm>
+          <a:prstGeom prst="rect">
+            <a:avLst/>
+          </a:prstGeom>
+          <a:solidFill>
+            <a:schemeClr val="tx1">
+              <a:alpha val="8000"/>
+            </a:schemeClr>
+          </a:solidFill>
+          <a:ln w="127000" cap="sq" cmpd="thinThick">
+            <a:noFill/>
+          </a:ln>
+        </p:spPr>
+        <p:style>
+          <a:lnRef idx="2">
+            <a:schemeClr val="accent1">
+              <a:shade val="50000"/>
+            </a:schemeClr>
+          </a:lnRef>
+          <a:fillRef idx="1">
+            <a:schemeClr val="accent1"/>
+          </a:fillRef>
+          <a:effectRef idx="0">
+            <a:schemeClr val="accent1"/>
+          </a:effectRef>
+          <a:fontRef idx="minor">
+            <a:schemeClr val="lt1"/>
+          </a:fontRef>
+        </p:style>
+        <p:txBody>
+          <a:bodyPr rtlCol="0" anchor="ctr"/>
+          <a:lstStyle/>
+          <a:p>
+            <a:pPr algn="ctr"/>
+            <a:endParaRPr lang="en-US"/>
+          </a:p>
+        </p:txBody>
+      </p:sp>
+      <p:cxnSp>
+        <p:nvCxnSpPr>
+          <p:cNvPr id="10" name="Straight Connector 9">
+            <a:extLst>
+              <a:ext uri="{FF2B5EF4-FFF2-40B4-BE49-F238E27FC236}">
+                <a16:creationId xmlns:a16="http://schemas.microsoft.com/office/drawing/2014/main" id="{2D72A2C9-F3CA-4216-8BAD-FA4C970C3C4E}"/>
+              </a:ext>
+            </a:extLst>
+          </p:cNvPr>
+          <p:cNvCxnSpPr>
+            <a:cxnSpLocks noGrp="1" noRot="1" noChangeAspect="1" noMove="1" noResize="1" noEditPoints="1" noAdjustHandles="1" noChangeArrowheads="1" noChangeShapeType="1"/>
+          </p:cNvCxnSpPr>
+          <p:nvPr>
+            <p:extLst>
+              <p:ext uri="{386F3935-93C4-4BCD-93E2-E3B085C9AB24}">
+                <p16:designElem xmlns:p16="http://schemas.microsoft.com/office/powerpoint/2015/main" val="1"/>
+              </p:ext>
+            </p:extLst>
+          </p:nvPr>
+        </p:nvCxnSpPr>
+        <p:spPr>
+          <a:xfrm>
+            <a:off x="4654296" y="2057400"/>
+            <a:ext cx="0" cy="2743200"/>
+          </a:xfrm>
+          <a:prstGeom prst="line">
+            <a:avLst/>
+          </a:prstGeom>
+          <a:ln w="19050">
+            <a:solidFill>
+              <a:schemeClr val="tx1">
+                <a:lumMod val="85000"/>
+                <a:lumOff val="15000"/>
+              </a:schemeClr>
+            </a:solidFill>
+          </a:ln>
+        </p:spPr>
+        <p:style>
+          <a:lnRef idx="1">
+            <a:schemeClr val="accent1"/>
+          </a:lnRef>
+          <a:fillRef idx="0">
+            <a:schemeClr val="accent1"/>
+          </a:fillRef>
+          <a:effectRef idx="0">
+            <a:schemeClr val="accent1"/>
+          </a:effectRef>
+          <a:fontRef idx="minor">
+            <a:schemeClr val="tx1"/>
+          </a:fontRef>
+        </p:style>
+      </p:cxnSp>
+      <p:sp>
+        <p:nvSpPr>
+          <p:cNvPr id="2" name="Title 1">
+            <a:extLst>
+              <a:ext uri="{FF2B5EF4-FFF2-40B4-BE49-F238E27FC236}">
+                <a16:creationId xmlns:a16="http://schemas.microsoft.com/office/drawing/2014/main" id="{E43FB26C-9CE7-4A97-93BD-BD75B1C8BC2D}"/>
+              </a:ext>
+            </a:extLst>
+          </p:cNvPr>
+          <p:cNvSpPr>
+            <a:spLocks noGrp="1"/>
+          </p:cNvSpPr>
+          <p:nvPr>
+            <p:ph type="title"/>
+          </p:nvPr>
+        </p:nvSpPr>
+        <p:spPr>
+          <a:xfrm>
+            <a:off x="838200" y="963877"/>
+            <a:ext cx="3494362" cy="4930246"/>
+          </a:xfrm>
+        </p:spPr>
+        <p:txBody>
+          <a:bodyPr>
+            <a:normAutofit/>
+          </a:bodyPr>
+          <a:lstStyle/>
+          <a:p>
+            <a:pPr algn="r"/>
+            <a:r>
+              <a:rPr lang="en-IE">
+                <a:solidFill>
+                  <a:schemeClr val="accent1"/>
+                </a:solidFill>
+              </a:rPr>
+              <a:t>Computer Systems Labs</a:t>
+            </a:r>
+            <a:endParaRPr lang="en-IE" dirty="0">
+              <a:solidFill>
+                <a:schemeClr val="accent1"/>
+              </a:solidFill>
+            </a:endParaRPr>
           </a:p>
         </p:txBody>
       </p:sp>
@@ -7873,18 +8319,61 @@
             <p:ph idx="1"/>
           </p:nvPr>
         </p:nvSpPr>
-        <p:spPr/>
+        <p:spPr>
+          <a:xfrm>
+            <a:off x="4976031" y="1374694"/>
+            <a:ext cx="6377769" cy="4930246"/>
+          </a:xfrm>
+        </p:spPr>
         <p:txBody>
-          <a:bodyPr/>
+          <a:bodyPr anchor="ctr">
+            <a:normAutofit/>
+          </a:bodyPr>
           <a:lstStyle/>
+          <a:p>
+            <a:r>
+              <a:rPr lang="en-IE" sz="2400" dirty="0"/>
+              <a:t>Lab 0 (in WIT): Introduction to Computer Systems/Setting up a Raspberry Pi</a:t>
+            </a:r>
+          </a:p>
+          <a:p>
+            <a:r>
+              <a:rPr lang="en-IE" sz="2400" dirty="0"/>
+              <a:t>Lab1: Computer Architecture Exploration –Data Formats and Storage in Computer Systems</a:t>
+            </a:r>
+          </a:p>
+          <a:p>
+            <a:r>
+              <a:rPr lang="en-IE" sz="2400" dirty="0"/>
+              <a:t>Lab2: Exploring Number Systems</a:t>
+            </a:r>
+          </a:p>
+          <a:p>
+            <a:r>
+              <a:rPr lang="en-IE" sz="2400" dirty="0"/>
+              <a:t>Lab3: Computer Arithmetic, Logic and Circuits</a:t>
+            </a:r>
+          </a:p>
+          <a:p>
+            <a:r>
+              <a:rPr lang="en-IE" sz="2400" dirty="0"/>
+              <a:t>Lab4: CPU Exploration</a:t>
+            </a:r>
+          </a:p>
+          <a:p>
+            <a:r>
+              <a:rPr lang="en-IE" sz="2400" dirty="0"/>
+              <a:t>Lab5: I/O, GPIO and Physical interfacing</a:t>
+            </a:r>
+          </a:p>
+          <a:p>
+            <a:endParaRPr lang="en-IE" sz="2400" dirty="0"/>
+          </a:p>
           <a:p>
             <a:pPr marL="0" indent="0">
               <a:buNone/>
             </a:pPr>
-            <a:r>
-              <a:rPr lang="en-IE" dirty="0"/>
-              <a:t>Introduction to Raspberry Pi</a:t>
-            </a:r>
+            <a:endParaRPr lang="en-IE" sz="2400" dirty="0"/>
           </a:p>
         </p:txBody>
       </p:sp>
@@ -7892,6 +8381,777 @@
     <p:extLst>
       <p:ext uri="{BB962C8B-B14F-4D97-AF65-F5344CB8AC3E}">
         <p14:creationId xmlns:p14="http://schemas.microsoft.com/office/powerpoint/2010/main" val="926552648"/>
+      </p:ext>
+    </p:extLst>
+  </p:cSld>
+  <p:clrMapOvr>
+    <a:masterClrMapping/>
+  </p:clrMapOvr>
+</p:sld>
+</file>
+
+<file path=ppt/slides/slide4.xml><?xml version="1.0" encoding="utf-8"?>
+<p:sld xmlns:a="http://schemas.openxmlformats.org/drawingml/2006/main" xmlns:r="http://schemas.openxmlformats.org/officeDocument/2006/relationships" xmlns:p="http://schemas.openxmlformats.org/presentationml/2006/main">
+  <p:cSld>
+    <p:bg>
+      <p:bgPr>
+        <a:solidFill>
+          <a:schemeClr val="bg1"/>
+        </a:solidFill>
+        <a:effectLst/>
+      </p:bgPr>
+    </p:bg>
+    <p:spTree>
+      <p:nvGrpSpPr>
+        <p:cNvPr id="1" name=""/>
+        <p:cNvGrpSpPr/>
+        <p:nvPr/>
+      </p:nvGrpSpPr>
+      <p:grpSpPr>
+        <a:xfrm>
+          <a:off x="0" y="0"/>
+          <a:ext cx="0" cy="0"/>
+          <a:chOff x="0" y="0"/>
+          <a:chExt cx="0" cy="0"/>
+        </a:xfrm>
+      </p:grpSpPr>
+      <p:sp>
+        <p:nvSpPr>
+          <p:cNvPr id="8" name="Rectangle 7">
+            <a:extLst>
+              <a:ext uri="{FF2B5EF4-FFF2-40B4-BE49-F238E27FC236}">
+                <a16:creationId xmlns:a16="http://schemas.microsoft.com/office/drawing/2014/main" id="{8D70B121-56F4-4848-B38B-182089D909FA}"/>
+              </a:ext>
+            </a:extLst>
+          </p:cNvPr>
+          <p:cNvSpPr>
+            <a:spLocks noGrp="1" noRot="1" noChangeAspect="1" noMove="1" noResize="1" noEditPoints="1" noAdjustHandles="1" noChangeArrowheads="1" noChangeShapeType="1" noTextEdit="1"/>
+          </p:cNvSpPr>
+          <p:nvPr>
+            <p:extLst>
+              <p:ext uri="{386F3935-93C4-4BCD-93E2-E3B085C9AB24}">
+                <p16:designElem xmlns:p16="http://schemas.microsoft.com/office/powerpoint/2015/main" val="1"/>
+              </p:ext>
+            </p:extLst>
+          </p:nvPr>
+        </p:nvSpPr>
+        <p:spPr bwMode="ltGray">
+          <a:xfrm>
+            <a:off x="321564" y="320040"/>
+            <a:ext cx="11548872" cy="6217920"/>
+          </a:xfrm>
+          <a:prstGeom prst="rect">
+            <a:avLst/>
+          </a:prstGeom>
+          <a:solidFill>
+            <a:schemeClr val="tx1">
+              <a:alpha val="8000"/>
+            </a:schemeClr>
+          </a:solidFill>
+          <a:ln w="127000" cap="sq" cmpd="thinThick">
+            <a:noFill/>
+          </a:ln>
+        </p:spPr>
+        <p:style>
+          <a:lnRef idx="2">
+            <a:schemeClr val="accent1">
+              <a:shade val="50000"/>
+            </a:schemeClr>
+          </a:lnRef>
+          <a:fillRef idx="1">
+            <a:schemeClr val="accent1"/>
+          </a:fillRef>
+          <a:effectRef idx="0">
+            <a:schemeClr val="accent1"/>
+          </a:effectRef>
+          <a:fontRef idx="minor">
+            <a:schemeClr val="lt1"/>
+          </a:fontRef>
+        </p:style>
+        <p:txBody>
+          <a:bodyPr rtlCol="0" anchor="ctr"/>
+          <a:lstStyle/>
+          <a:p>
+            <a:pPr algn="ctr"/>
+            <a:endParaRPr lang="en-US"/>
+          </a:p>
+        </p:txBody>
+      </p:sp>
+      <p:cxnSp>
+        <p:nvCxnSpPr>
+          <p:cNvPr id="10" name="Straight Connector 9">
+            <a:extLst>
+              <a:ext uri="{FF2B5EF4-FFF2-40B4-BE49-F238E27FC236}">
+                <a16:creationId xmlns:a16="http://schemas.microsoft.com/office/drawing/2014/main" id="{2D72A2C9-F3CA-4216-8BAD-FA4C970C3C4E}"/>
+              </a:ext>
+            </a:extLst>
+          </p:cNvPr>
+          <p:cNvCxnSpPr>
+            <a:cxnSpLocks noGrp="1" noRot="1" noChangeAspect="1" noMove="1" noResize="1" noEditPoints="1" noAdjustHandles="1" noChangeArrowheads="1" noChangeShapeType="1"/>
+          </p:cNvCxnSpPr>
+          <p:nvPr>
+            <p:extLst>
+              <p:ext uri="{386F3935-93C4-4BCD-93E2-E3B085C9AB24}">
+                <p16:designElem xmlns:p16="http://schemas.microsoft.com/office/powerpoint/2015/main" val="1"/>
+              </p:ext>
+            </p:extLst>
+          </p:nvPr>
+        </p:nvCxnSpPr>
+        <p:spPr>
+          <a:xfrm>
+            <a:off x="4654296" y="2057400"/>
+            <a:ext cx="0" cy="2743200"/>
+          </a:xfrm>
+          <a:prstGeom prst="line">
+            <a:avLst/>
+          </a:prstGeom>
+          <a:ln w="19050">
+            <a:solidFill>
+              <a:schemeClr val="tx1">
+                <a:lumMod val="85000"/>
+                <a:lumOff val="15000"/>
+              </a:schemeClr>
+            </a:solidFill>
+          </a:ln>
+        </p:spPr>
+        <p:style>
+          <a:lnRef idx="1">
+            <a:schemeClr val="accent1"/>
+          </a:lnRef>
+          <a:fillRef idx="0">
+            <a:schemeClr val="accent1"/>
+          </a:fillRef>
+          <a:effectRef idx="0">
+            <a:schemeClr val="accent1"/>
+          </a:effectRef>
+          <a:fontRef idx="minor">
+            <a:schemeClr val="tx1"/>
+          </a:fontRef>
+        </p:style>
+      </p:cxnSp>
+      <p:sp>
+        <p:nvSpPr>
+          <p:cNvPr id="2" name="Title 1">
+            <a:extLst>
+              <a:ext uri="{FF2B5EF4-FFF2-40B4-BE49-F238E27FC236}">
+                <a16:creationId xmlns:a16="http://schemas.microsoft.com/office/drawing/2014/main" id="{B9D4154E-0B67-4736-AD65-5093B1C13E9F}"/>
+              </a:ext>
+            </a:extLst>
+          </p:cNvPr>
+          <p:cNvSpPr>
+            <a:spLocks noGrp="1"/>
+          </p:cNvSpPr>
+          <p:nvPr>
+            <p:ph type="title"/>
+          </p:nvPr>
+        </p:nvSpPr>
+        <p:spPr>
+          <a:xfrm>
+            <a:off x="838200" y="963877"/>
+            <a:ext cx="3494362" cy="4930246"/>
+          </a:xfrm>
+        </p:spPr>
+        <p:txBody>
+          <a:bodyPr>
+            <a:normAutofit/>
+          </a:bodyPr>
+          <a:lstStyle/>
+          <a:p>
+            <a:pPr algn="r"/>
+            <a:r>
+              <a:rPr lang="en-IE">
+                <a:solidFill>
+                  <a:schemeClr val="accent1"/>
+                </a:solidFill>
+              </a:rPr>
+              <a:t>Operating Systems Labs</a:t>
+            </a:r>
+          </a:p>
+        </p:txBody>
+      </p:sp>
+      <p:sp>
+        <p:nvSpPr>
+          <p:cNvPr id="3" name="Content Placeholder 2">
+            <a:extLst>
+              <a:ext uri="{FF2B5EF4-FFF2-40B4-BE49-F238E27FC236}">
+                <a16:creationId xmlns:a16="http://schemas.microsoft.com/office/drawing/2014/main" id="{39A6213B-C104-448A-B663-B00A60C8A0DA}"/>
+              </a:ext>
+            </a:extLst>
+          </p:cNvPr>
+          <p:cNvSpPr>
+            <a:spLocks noGrp="1"/>
+          </p:cNvSpPr>
+          <p:nvPr>
+            <p:ph idx="1"/>
+          </p:nvPr>
+        </p:nvSpPr>
+        <p:spPr>
+          <a:xfrm>
+            <a:off x="4976031" y="963877"/>
+            <a:ext cx="6377769" cy="4930246"/>
+          </a:xfrm>
+        </p:spPr>
+        <p:txBody>
+          <a:bodyPr anchor="ctr">
+            <a:normAutofit/>
+          </a:bodyPr>
+          <a:lstStyle/>
+          <a:p>
+            <a:r>
+              <a:rPr lang="en-IE" sz="2400" dirty="0"/>
+              <a:t>Lab 0(in WIT): The Headless Pi (Headless set-up of Linux on Pi)</a:t>
+            </a:r>
+          </a:p>
+          <a:p>
+            <a:r>
+              <a:rPr lang="en-IE" sz="2400" dirty="0"/>
+              <a:t>Lab 1: Exploration and Configuration of Linux OS via CLI;</a:t>
+            </a:r>
+          </a:p>
+          <a:p>
+            <a:r>
+              <a:rPr lang="en-IE" sz="2400" dirty="0"/>
+              <a:t>Lab 2: Shell Programming 1;</a:t>
+            </a:r>
+          </a:p>
+          <a:p>
+            <a:r>
+              <a:rPr lang="en-IE" sz="2400" dirty="0"/>
+              <a:t>Lab 3: Shell Programming 2;</a:t>
+            </a:r>
+          </a:p>
+          <a:p>
+            <a:r>
+              <a:rPr lang="en-IE" sz="2400" dirty="0"/>
+              <a:t>Lab 4: Shell Programming 3;</a:t>
+            </a:r>
+          </a:p>
+          <a:p>
+            <a:r>
+              <a:rPr lang="en-IE" sz="2400" dirty="0"/>
+              <a:t>Lab 5: Virtualisation, the OS in the cloud;</a:t>
+            </a:r>
+          </a:p>
+        </p:txBody>
+      </p:sp>
+    </p:spTree>
+    <p:extLst>
+      <p:ext uri="{BB962C8B-B14F-4D97-AF65-F5344CB8AC3E}">
+        <p14:creationId xmlns:p14="http://schemas.microsoft.com/office/powerpoint/2010/main" val="1082010313"/>
+      </p:ext>
+    </p:extLst>
+  </p:cSld>
+  <p:clrMapOvr>
+    <a:masterClrMapping/>
+  </p:clrMapOvr>
+</p:sld>
+</file>
+
+<file path=ppt/slides/slide5.xml><?xml version="1.0" encoding="utf-8"?>
+<p:sld xmlns:a="http://schemas.openxmlformats.org/drawingml/2006/main" xmlns:r="http://schemas.openxmlformats.org/officeDocument/2006/relationships" xmlns:p="http://schemas.openxmlformats.org/presentationml/2006/main">
+  <p:cSld>
+    <p:bg>
+      <p:bgPr>
+        <a:solidFill>
+          <a:schemeClr val="bg1"/>
+        </a:solidFill>
+        <a:effectLst/>
+      </p:bgPr>
+    </p:bg>
+    <p:spTree>
+      <p:nvGrpSpPr>
+        <p:cNvPr id="1" name=""/>
+        <p:cNvGrpSpPr/>
+        <p:nvPr/>
+      </p:nvGrpSpPr>
+      <p:grpSpPr>
+        <a:xfrm>
+          <a:off x="0" y="0"/>
+          <a:ext cx="0" cy="0"/>
+          <a:chOff x="0" y="0"/>
+          <a:chExt cx="0" cy="0"/>
+        </a:xfrm>
+      </p:grpSpPr>
+      <p:sp>
+        <p:nvSpPr>
+          <p:cNvPr id="8" name="Rectangle 7">
+            <a:extLst>
+              <a:ext uri="{FF2B5EF4-FFF2-40B4-BE49-F238E27FC236}">
+                <a16:creationId xmlns:a16="http://schemas.microsoft.com/office/drawing/2014/main" id="{8D70B121-56F4-4848-B38B-182089D909FA}"/>
+              </a:ext>
+            </a:extLst>
+          </p:cNvPr>
+          <p:cNvSpPr>
+            <a:spLocks noGrp="1" noRot="1" noChangeAspect="1" noMove="1" noResize="1" noEditPoints="1" noAdjustHandles="1" noChangeArrowheads="1" noChangeShapeType="1" noTextEdit="1"/>
+          </p:cNvSpPr>
+          <p:nvPr>
+            <p:extLst>
+              <p:ext uri="{386F3935-93C4-4BCD-93E2-E3B085C9AB24}">
+                <p16:designElem xmlns:p16="http://schemas.microsoft.com/office/powerpoint/2015/main" val="1"/>
+              </p:ext>
+            </p:extLst>
+          </p:nvPr>
+        </p:nvSpPr>
+        <p:spPr bwMode="ltGray">
+          <a:xfrm>
+            <a:off x="321564" y="320040"/>
+            <a:ext cx="11548872" cy="6217920"/>
+          </a:xfrm>
+          <a:prstGeom prst="rect">
+            <a:avLst/>
+          </a:prstGeom>
+          <a:solidFill>
+            <a:schemeClr val="tx1">
+              <a:alpha val="8000"/>
+            </a:schemeClr>
+          </a:solidFill>
+          <a:ln w="127000" cap="sq" cmpd="thinThick">
+            <a:noFill/>
+          </a:ln>
+        </p:spPr>
+        <p:style>
+          <a:lnRef idx="2">
+            <a:schemeClr val="accent1">
+              <a:shade val="50000"/>
+            </a:schemeClr>
+          </a:lnRef>
+          <a:fillRef idx="1">
+            <a:schemeClr val="accent1"/>
+          </a:fillRef>
+          <a:effectRef idx="0">
+            <a:schemeClr val="accent1"/>
+          </a:effectRef>
+          <a:fontRef idx="minor">
+            <a:schemeClr val="lt1"/>
+          </a:fontRef>
+        </p:style>
+        <p:txBody>
+          <a:bodyPr rtlCol="0" anchor="ctr"/>
+          <a:lstStyle/>
+          <a:p>
+            <a:pPr algn="ctr"/>
+            <a:endParaRPr lang="en-US"/>
+          </a:p>
+        </p:txBody>
+      </p:sp>
+      <p:cxnSp>
+        <p:nvCxnSpPr>
+          <p:cNvPr id="10" name="Straight Connector 9">
+            <a:extLst>
+              <a:ext uri="{FF2B5EF4-FFF2-40B4-BE49-F238E27FC236}">
+                <a16:creationId xmlns:a16="http://schemas.microsoft.com/office/drawing/2014/main" id="{2D72A2C9-F3CA-4216-8BAD-FA4C970C3C4E}"/>
+              </a:ext>
+            </a:extLst>
+          </p:cNvPr>
+          <p:cNvCxnSpPr>
+            <a:cxnSpLocks noGrp="1" noRot="1" noChangeAspect="1" noMove="1" noResize="1" noEditPoints="1" noAdjustHandles="1" noChangeArrowheads="1" noChangeShapeType="1"/>
+          </p:cNvCxnSpPr>
+          <p:nvPr>
+            <p:extLst>
+              <p:ext uri="{386F3935-93C4-4BCD-93E2-E3B085C9AB24}">
+                <p16:designElem xmlns:p16="http://schemas.microsoft.com/office/powerpoint/2015/main" val="1"/>
+              </p:ext>
+            </p:extLst>
+          </p:nvPr>
+        </p:nvCxnSpPr>
+        <p:spPr>
+          <a:xfrm>
+            <a:off x="4654296" y="2057400"/>
+            <a:ext cx="0" cy="2743200"/>
+          </a:xfrm>
+          <a:prstGeom prst="line">
+            <a:avLst/>
+          </a:prstGeom>
+          <a:ln w="19050">
+            <a:solidFill>
+              <a:schemeClr val="tx1">
+                <a:lumMod val="85000"/>
+                <a:lumOff val="15000"/>
+              </a:schemeClr>
+            </a:solidFill>
+          </a:ln>
+        </p:spPr>
+        <p:style>
+          <a:lnRef idx="1">
+            <a:schemeClr val="accent1"/>
+          </a:lnRef>
+          <a:fillRef idx="0">
+            <a:schemeClr val="accent1"/>
+          </a:fillRef>
+          <a:effectRef idx="0">
+            <a:schemeClr val="accent1"/>
+          </a:effectRef>
+          <a:fontRef idx="minor">
+            <a:schemeClr val="tx1"/>
+          </a:fontRef>
+        </p:style>
+      </p:cxnSp>
+      <p:sp>
+        <p:nvSpPr>
+          <p:cNvPr id="2" name="Title 1">
+            <a:extLst>
+              <a:ext uri="{FF2B5EF4-FFF2-40B4-BE49-F238E27FC236}">
+                <a16:creationId xmlns:a16="http://schemas.microsoft.com/office/drawing/2014/main" id="{FE8D948E-8F00-44F1-9D79-C59A74DADC84}"/>
+              </a:ext>
+            </a:extLst>
+          </p:cNvPr>
+          <p:cNvSpPr>
+            <a:spLocks noGrp="1"/>
+          </p:cNvSpPr>
+          <p:nvPr>
+            <p:ph type="title"/>
+          </p:nvPr>
+        </p:nvSpPr>
+        <p:spPr>
+          <a:xfrm>
+            <a:off x="838200" y="963877"/>
+            <a:ext cx="3494362" cy="4930246"/>
+          </a:xfrm>
+        </p:spPr>
+        <p:txBody>
+          <a:bodyPr>
+            <a:normAutofit/>
+          </a:bodyPr>
+          <a:lstStyle/>
+          <a:p>
+            <a:pPr algn="r"/>
+            <a:r>
+              <a:rPr lang="en-IE">
+                <a:solidFill>
+                  <a:schemeClr val="accent1"/>
+                </a:solidFill>
+              </a:rPr>
+              <a:t>Networks</a:t>
+            </a:r>
+          </a:p>
+        </p:txBody>
+      </p:sp>
+      <p:sp>
+        <p:nvSpPr>
+          <p:cNvPr id="3" name="Content Placeholder 2">
+            <a:extLst>
+              <a:ext uri="{FF2B5EF4-FFF2-40B4-BE49-F238E27FC236}">
+                <a16:creationId xmlns:a16="http://schemas.microsoft.com/office/drawing/2014/main" id="{317CC9CC-776A-4D39-9418-2F3EB53913F6}"/>
+              </a:ext>
+            </a:extLst>
+          </p:cNvPr>
+          <p:cNvSpPr>
+            <a:spLocks noGrp="1"/>
+          </p:cNvSpPr>
+          <p:nvPr>
+            <p:ph idx="1"/>
+          </p:nvPr>
+        </p:nvSpPr>
+        <p:spPr>
+          <a:xfrm>
+            <a:off x="4976031" y="963877"/>
+            <a:ext cx="6377769" cy="4930246"/>
+          </a:xfrm>
+        </p:spPr>
+        <p:txBody>
+          <a:bodyPr anchor="ctr">
+            <a:normAutofit/>
+          </a:bodyPr>
+          <a:lstStyle/>
+          <a:p>
+            <a:r>
+              <a:rPr lang="en-IE" sz="2400" dirty="0"/>
+              <a:t>Lab 0: Introduction to TCP/IP and IP addressing</a:t>
+            </a:r>
+          </a:p>
+          <a:p>
+            <a:r>
+              <a:rPr lang="en-IE" sz="2400" dirty="0"/>
+              <a:t>Lab 1: Network Monitoring and Packet Sniffing</a:t>
+            </a:r>
+          </a:p>
+          <a:p>
+            <a:r>
+              <a:rPr lang="en-IE" sz="2400" dirty="0"/>
+              <a:t>Lab 2: Device Configuration and Troubleshooting</a:t>
+            </a:r>
+          </a:p>
+          <a:p>
+            <a:r>
+              <a:rPr lang="en-IE" sz="2400" dirty="0"/>
+              <a:t>Lab 3: Application Layer Protocols (HTTP/MQTT/FTP…)</a:t>
+            </a:r>
+          </a:p>
+          <a:p>
+            <a:r>
+              <a:rPr lang="en-IE" sz="2400" dirty="0"/>
+              <a:t>Lab 4: The Physical Internet/PANs (Bluetooth LE)</a:t>
+            </a:r>
+          </a:p>
+          <a:p>
+            <a:r>
+              <a:rPr lang="en-IE" sz="2400" dirty="0"/>
+              <a:t>Lab 5: Connecting to an IoT Cloud Platform</a:t>
+            </a:r>
+          </a:p>
+        </p:txBody>
+      </p:sp>
+    </p:spTree>
+    <p:extLst>
+      <p:ext uri="{BB962C8B-B14F-4D97-AF65-F5344CB8AC3E}">
+        <p14:creationId xmlns:p14="http://schemas.microsoft.com/office/powerpoint/2010/main" val="1918243234"/>
+      </p:ext>
+    </p:extLst>
+  </p:cSld>
+  <p:clrMapOvr>
+    <a:masterClrMapping/>
+  </p:clrMapOvr>
+</p:sld>
+</file>
+
+<file path=ppt/slides/slide6.xml><?xml version="1.0" encoding="utf-8"?>
+<p:sld xmlns:a="http://schemas.openxmlformats.org/drawingml/2006/main" xmlns:r="http://schemas.openxmlformats.org/officeDocument/2006/relationships" xmlns:p="http://schemas.openxmlformats.org/presentationml/2006/main">
+  <p:cSld>
+    <p:bg>
+      <p:bgPr>
+        <a:solidFill>
+          <a:schemeClr val="bg1"/>
+        </a:solidFill>
+        <a:effectLst/>
+      </p:bgPr>
+    </p:bg>
+    <p:spTree>
+      <p:nvGrpSpPr>
+        <p:cNvPr id="1" name=""/>
+        <p:cNvGrpSpPr/>
+        <p:nvPr/>
+      </p:nvGrpSpPr>
+      <p:grpSpPr>
+        <a:xfrm>
+          <a:off x="0" y="0"/>
+          <a:ext cx="0" cy="0"/>
+          <a:chOff x="0" y="0"/>
+          <a:chExt cx="0" cy="0"/>
+        </a:xfrm>
+      </p:grpSpPr>
+      <p:sp>
+        <p:nvSpPr>
+          <p:cNvPr id="8" name="Rectangle 7">
+            <a:extLst>
+              <a:ext uri="{FF2B5EF4-FFF2-40B4-BE49-F238E27FC236}">
+                <a16:creationId xmlns:a16="http://schemas.microsoft.com/office/drawing/2014/main" id="{8D70B121-56F4-4848-B38B-182089D909FA}"/>
+              </a:ext>
+            </a:extLst>
+          </p:cNvPr>
+          <p:cNvSpPr>
+            <a:spLocks noGrp="1" noRot="1" noChangeAspect="1" noMove="1" noResize="1" noEditPoints="1" noAdjustHandles="1" noChangeArrowheads="1" noChangeShapeType="1" noTextEdit="1"/>
+          </p:cNvSpPr>
+          <p:nvPr>
+            <p:extLst>
+              <p:ext uri="{386F3935-93C4-4BCD-93E2-E3B085C9AB24}">
+                <p16:designElem xmlns:p16="http://schemas.microsoft.com/office/powerpoint/2015/main" val="1"/>
+              </p:ext>
+            </p:extLst>
+          </p:nvPr>
+        </p:nvSpPr>
+        <p:spPr bwMode="ltGray">
+          <a:xfrm>
+            <a:off x="321564" y="320040"/>
+            <a:ext cx="11548872" cy="6217920"/>
+          </a:xfrm>
+          <a:prstGeom prst="rect">
+            <a:avLst/>
+          </a:prstGeom>
+          <a:solidFill>
+            <a:schemeClr val="tx1">
+              <a:alpha val="8000"/>
+            </a:schemeClr>
+          </a:solidFill>
+          <a:ln w="127000" cap="sq" cmpd="thinThick">
+            <a:noFill/>
+          </a:ln>
+        </p:spPr>
+        <p:style>
+          <a:lnRef idx="2">
+            <a:schemeClr val="accent1">
+              <a:shade val="50000"/>
+            </a:schemeClr>
+          </a:lnRef>
+          <a:fillRef idx="1">
+            <a:schemeClr val="accent1"/>
+          </a:fillRef>
+          <a:effectRef idx="0">
+            <a:schemeClr val="accent1"/>
+          </a:effectRef>
+          <a:fontRef idx="minor">
+            <a:schemeClr val="lt1"/>
+          </a:fontRef>
+        </p:style>
+        <p:txBody>
+          <a:bodyPr rtlCol="0" anchor="ctr"/>
+          <a:lstStyle/>
+          <a:p>
+            <a:pPr algn="ctr"/>
+            <a:endParaRPr lang="en-US"/>
+          </a:p>
+        </p:txBody>
+      </p:sp>
+      <p:cxnSp>
+        <p:nvCxnSpPr>
+          <p:cNvPr id="10" name="Straight Connector 9">
+            <a:extLst>
+              <a:ext uri="{FF2B5EF4-FFF2-40B4-BE49-F238E27FC236}">
+                <a16:creationId xmlns:a16="http://schemas.microsoft.com/office/drawing/2014/main" id="{2D72A2C9-F3CA-4216-8BAD-FA4C970C3C4E}"/>
+              </a:ext>
+            </a:extLst>
+          </p:cNvPr>
+          <p:cNvCxnSpPr>
+            <a:cxnSpLocks noGrp="1" noRot="1" noChangeAspect="1" noMove="1" noResize="1" noEditPoints="1" noAdjustHandles="1" noChangeArrowheads="1" noChangeShapeType="1"/>
+          </p:cNvCxnSpPr>
+          <p:nvPr>
+            <p:extLst>
+              <p:ext uri="{386F3935-93C4-4BCD-93E2-E3B085C9AB24}">
+                <p16:designElem xmlns:p16="http://schemas.microsoft.com/office/powerpoint/2015/main" val="1"/>
+              </p:ext>
+            </p:extLst>
+          </p:nvPr>
+        </p:nvCxnSpPr>
+        <p:spPr>
+          <a:xfrm>
+            <a:off x="4654296" y="2057400"/>
+            <a:ext cx="0" cy="2743200"/>
+          </a:xfrm>
+          <a:prstGeom prst="line">
+            <a:avLst/>
+          </a:prstGeom>
+          <a:ln w="19050">
+            <a:solidFill>
+              <a:schemeClr val="tx1">
+                <a:lumMod val="85000"/>
+                <a:lumOff val="15000"/>
+              </a:schemeClr>
+            </a:solidFill>
+          </a:ln>
+        </p:spPr>
+        <p:style>
+          <a:lnRef idx="1">
+            <a:schemeClr val="accent1"/>
+          </a:lnRef>
+          <a:fillRef idx="0">
+            <a:schemeClr val="accent1"/>
+          </a:fillRef>
+          <a:effectRef idx="0">
+            <a:schemeClr val="accent1"/>
+          </a:effectRef>
+          <a:fontRef idx="minor">
+            <a:schemeClr val="tx1"/>
+          </a:fontRef>
+        </p:style>
+      </p:cxnSp>
+      <p:sp>
+        <p:nvSpPr>
+          <p:cNvPr id="2" name="Title 1">
+            <a:extLst>
+              <a:ext uri="{FF2B5EF4-FFF2-40B4-BE49-F238E27FC236}">
+                <a16:creationId xmlns:a16="http://schemas.microsoft.com/office/drawing/2014/main" id="{0784452F-D4F2-458E-8C92-A0EEB2CE748E}"/>
+              </a:ext>
+            </a:extLst>
+          </p:cNvPr>
+          <p:cNvSpPr>
+            <a:spLocks noGrp="1"/>
+          </p:cNvSpPr>
+          <p:nvPr>
+            <p:ph type="title"/>
+          </p:nvPr>
+        </p:nvSpPr>
+        <p:spPr>
+          <a:xfrm>
+            <a:off x="838200" y="963877"/>
+            <a:ext cx="3494362" cy="4930246"/>
+          </a:xfrm>
+        </p:spPr>
+        <p:txBody>
+          <a:bodyPr>
+            <a:normAutofit/>
+          </a:bodyPr>
+          <a:lstStyle/>
+          <a:p>
+            <a:pPr algn="r"/>
+            <a:r>
+              <a:rPr lang="en-IE">
+                <a:solidFill>
+                  <a:schemeClr val="accent1"/>
+                </a:solidFill>
+              </a:rPr>
+              <a:t>Cloud</a:t>
+            </a:r>
+          </a:p>
+        </p:txBody>
+      </p:sp>
+      <p:sp>
+        <p:nvSpPr>
+          <p:cNvPr id="3" name="Content Placeholder 2">
+            <a:extLst>
+              <a:ext uri="{FF2B5EF4-FFF2-40B4-BE49-F238E27FC236}">
+                <a16:creationId xmlns:a16="http://schemas.microsoft.com/office/drawing/2014/main" id="{74DB9BFD-07A7-4733-958B-F80BFB22ED46}"/>
+              </a:ext>
+            </a:extLst>
+          </p:cNvPr>
+          <p:cNvSpPr>
+            <a:spLocks noGrp="1"/>
+          </p:cNvSpPr>
+          <p:nvPr>
+            <p:ph idx="1"/>
+          </p:nvPr>
+        </p:nvSpPr>
+        <p:spPr>
+          <a:xfrm>
+            <a:off x="4976031" y="963877"/>
+            <a:ext cx="6377769" cy="4930246"/>
+          </a:xfrm>
+        </p:spPr>
+        <p:txBody>
+          <a:bodyPr anchor="ctr">
+            <a:normAutofit/>
+          </a:bodyPr>
+          <a:lstStyle/>
+          <a:p>
+            <a:r>
+              <a:rPr lang="en-IE" sz="2400" dirty="0"/>
+              <a:t>Lab 0: Into to Cloud Platforms (AWS Setup)</a:t>
+            </a:r>
+          </a:p>
+          <a:p>
+            <a:r>
+              <a:rPr lang="en-IE" sz="2400" dirty="0"/>
+              <a:t>Lab 1: IAAS (AMIs, AMI configuration, Intro to VPN?)</a:t>
+            </a:r>
+          </a:p>
+          <a:p>
+            <a:r>
+              <a:rPr lang="en-IE" sz="2400" dirty="0"/>
+              <a:t>Lab 2: IoT PAAS (Amazon Web Services 1 – Devices Connectivity and Management)</a:t>
+            </a:r>
+          </a:p>
+          <a:p>
+            <a:r>
+              <a:rPr lang="en-IE" sz="2400" dirty="0"/>
+              <a:t>Lab 3: IoT PAAS (Amazon Web Services 2 – Rules Engine Implementation/Device Shadows/Security)</a:t>
+            </a:r>
+          </a:p>
+          <a:p>
+            <a:r>
+              <a:rPr lang="en-IE" sz="2400" dirty="0"/>
+              <a:t>Lab 4: IoT SAAS (Messaging, Storage, Pub-Sub)</a:t>
+            </a:r>
+          </a:p>
+          <a:p>
+            <a:r>
+              <a:rPr lang="en-IE" sz="2400" dirty="0"/>
+              <a:t>Lab 5: AWS IoT Reference Implementation</a:t>
+            </a:r>
+          </a:p>
+        </p:txBody>
+      </p:sp>
+    </p:spTree>
+    <p:extLst>
+      <p:ext uri="{BB962C8B-B14F-4D97-AF65-F5344CB8AC3E}">
+        <p14:creationId xmlns:p14="http://schemas.microsoft.com/office/powerpoint/2010/main" val="3923611729"/>
       </p:ext>
     </p:extLst>
   </p:cSld>
